--- a/docs/images/brillio-architecture-diagram.pptx
+++ b/docs/images/brillio-architecture-diagram.pptx
@@ -3918,6 +3918,461 @@
                 <a:cs typeface="Arial" panose="020B0604020202020204" pitchFamily="34" charset="0"/>
               </a:rPr>
               <a:t>Storage Service (S3)</a:t>
+            </a:r>
+          </a:p>
+        </p:txBody>
+      </p:sp>
+      <p:pic>
+        <p:nvPicPr>
+          <p:cNvPr id="101" name="Graphic 23">
+            <a:extLst>
+              <a:ext uri="{FF2B5EF4-FFF2-40B4-BE49-F238E27FC236}">
+                <a16:creationId xmlns:a16="http://schemas.microsoft.com/office/drawing/2014/main" id="{655772A5-09D3-EB44-967C-8BB72CDD5D7E}"/>
+              </a:ext>
+            </a:extLst>
+          </p:cNvPr>
+          <p:cNvPicPr>
+            <a:picLocks noChangeAspect="1" noChangeArrowheads="1"/>
+          </p:cNvPicPr>
+          <p:nvPr/>
+        </p:nvPicPr>
+        <p:blipFill>
+          <a:blip r:embed="rId42">
+            <a:extLst>
+              <a:ext uri="{28A0092B-C50C-407E-A947-70E740481C1C}">
+                <a14:useLocalDpi xmlns:a14="http://schemas.microsoft.com/office/drawing/2010/main" val="0"/>
+              </a:ext>
+            </a:extLst>
+          </a:blip>
+          <a:srcRect/>
+          <a:stretch>
+            <a:fillRect/>
+          </a:stretch>
+        </p:blipFill>
+        <p:spPr bwMode="auto">
+          <a:xfrm>
+            <a:off x="2597175" y="4474156"/>
+            <a:ext cx="762000" cy="762000"/>
+          </a:xfrm>
+          <a:prstGeom prst="rect">
+            <a:avLst/>
+          </a:prstGeom>
+          <a:noFill/>
+          <a:ln>
+            <a:noFill/>
+          </a:ln>
+          <a:extLst>
+            <a:ext uri="{909E8E84-426E-40DD-AFC4-6F175D3DCCD1}">
+              <a14:hiddenFill xmlns:a14="http://schemas.microsoft.com/office/drawing/2010/main">
+                <a:solidFill>
+                  <a:srgbClr val="FFFFFF"/>
+                </a:solidFill>
+              </a14:hiddenFill>
+            </a:ext>
+            <a:ext uri="{91240B29-F687-4F45-9708-019B960494DF}">
+              <a14:hiddenLine xmlns:a14="http://schemas.microsoft.com/office/drawing/2010/main" w="9525">
+                <a:solidFill>
+                  <a:srgbClr val="000000"/>
+                </a:solidFill>
+                <a:miter lim="800000"/>
+                <a:headEnd/>
+                <a:tailEnd/>
+              </a14:hiddenLine>
+            </a:ext>
+          </a:extLst>
+        </p:spPr>
+      </p:pic>
+      <p:sp>
+        <p:nvSpPr>
+          <p:cNvPr id="102" name="TextBox 15">
+            <a:extLst>
+              <a:ext uri="{FF2B5EF4-FFF2-40B4-BE49-F238E27FC236}">
+                <a16:creationId xmlns:a16="http://schemas.microsoft.com/office/drawing/2014/main" id="{466053EF-A5B9-094A-957B-89443FF8BB59}"/>
+              </a:ext>
+            </a:extLst>
+          </p:cNvPr>
+          <p:cNvSpPr txBox="1">
+            <a:spLocks noChangeArrowheads="1"/>
+          </p:cNvSpPr>
+          <p:nvPr/>
+        </p:nvSpPr>
+        <p:spPr bwMode="auto">
+          <a:xfrm>
+            <a:off x="1877243" y="5319026"/>
+            <a:ext cx="2201863" cy="276999"/>
+          </a:xfrm>
+          <a:prstGeom prst="rect">
+            <a:avLst/>
+          </a:prstGeom>
+          <a:noFill/>
+          <a:ln>
+            <a:noFill/>
+          </a:ln>
+          <a:extLst>
+            <a:ext uri="{909E8E84-426E-40DD-AFC4-6F175D3DCCD1}">
+              <a14:hiddenFill xmlns:a14="http://schemas.microsoft.com/office/drawing/2010/main">
+                <a:solidFill>
+                  <a:srgbClr val="FFFFFF"/>
+                </a:solidFill>
+              </a14:hiddenFill>
+            </a:ext>
+            <a:ext uri="{91240B29-F687-4F45-9708-019B960494DF}">
+              <a14:hiddenLine xmlns:a14="http://schemas.microsoft.com/office/drawing/2010/main" w="9525">
+                <a:solidFill>
+                  <a:srgbClr val="000000"/>
+                </a:solidFill>
+                <a:miter lim="800000"/>
+                <a:headEnd/>
+                <a:tailEnd/>
+              </a14:hiddenLine>
+            </a:ext>
+          </a:extLst>
+        </p:spPr>
+        <p:txBody>
+          <a:bodyPr>
+            <a:spAutoFit/>
+          </a:bodyPr>
+          <a:lstStyle>
+            <a:lvl1pPr>
+              <a:defRPr>
+                <a:solidFill>
+                  <a:schemeClr val="tx1"/>
+                </a:solidFill>
+                <a:latin typeface="Calibri" panose="020F0502020204030204" pitchFamily="34" charset="0"/>
+              </a:defRPr>
+            </a:lvl1pPr>
+            <a:lvl2pPr marL="742950" indent="-285750">
+              <a:defRPr>
+                <a:solidFill>
+                  <a:schemeClr val="tx1"/>
+                </a:solidFill>
+                <a:latin typeface="Calibri" panose="020F0502020204030204" pitchFamily="34" charset="0"/>
+              </a:defRPr>
+            </a:lvl2pPr>
+            <a:lvl3pPr marL="1143000" indent="-228600">
+              <a:defRPr>
+                <a:solidFill>
+                  <a:schemeClr val="tx1"/>
+                </a:solidFill>
+                <a:latin typeface="Calibri" panose="020F0502020204030204" pitchFamily="34" charset="0"/>
+              </a:defRPr>
+            </a:lvl3pPr>
+            <a:lvl4pPr marL="1600200" indent="-228600">
+              <a:defRPr>
+                <a:solidFill>
+                  <a:schemeClr val="tx1"/>
+                </a:solidFill>
+                <a:latin typeface="Calibri" panose="020F0502020204030204" pitchFamily="34" charset="0"/>
+              </a:defRPr>
+            </a:lvl4pPr>
+            <a:lvl5pPr marL="2057400" indent="-228600">
+              <a:defRPr>
+                <a:solidFill>
+                  <a:schemeClr val="tx1"/>
+                </a:solidFill>
+                <a:latin typeface="Calibri" panose="020F0502020204030204" pitchFamily="34" charset="0"/>
+              </a:defRPr>
+            </a:lvl5pPr>
+            <a:lvl6pPr marL="2514600" indent="-228600" eaLnBrk="0" fontAlgn="base" hangingPunct="0">
+              <a:spcBef>
+                <a:spcPct val="0"/>
+              </a:spcBef>
+              <a:spcAft>
+                <a:spcPct val="0"/>
+              </a:spcAft>
+              <a:defRPr>
+                <a:solidFill>
+                  <a:schemeClr val="tx1"/>
+                </a:solidFill>
+                <a:latin typeface="Calibri" panose="020F0502020204030204" pitchFamily="34" charset="0"/>
+              </a:defRPr>
+            </a:lvl6pPr>
+            <a:lvl7pPr marL="2971800" indent="-228600" eaLnBrk="0" fontAlgn="base" hangingPunct="0">
+              <a:spcBef>
+                <a:spcPct val="0"/>
+              </a:spcBef>
+              <a:spcAft>
+                <a:spcPct val="0"/>
+              </a:spcAft>
+              <a:defRPr>
+                <a:solidFill>
+                  <a:schemeClr val="tx1"/>
+                </a:solidFill>
+                <a:latin typeface="Calibri" panose="020F0502020204030204" pitchFamily="34" charset="0"/>
+              </a:defRPr>
+            </a:lvl7pPr>
+            <a:lvl8pPr marL="3429000" indent="-228600" eaLnBrk="0" fontAlgn="base" hangingPunct="0">
+              <a:spcBef>
+                <a:spcPct val="0"/>
+              </a:spcBef>
+              <a:spcAft>
+                <a:spcPct val="0"/>
+              </a:spcAft>
+              <a:defRPr>
+                <a:solidFill>
+                  <a:schemeClr val="tx1"/>
+                </a:solidFill>
+                <a:latin typeface="Calibri" panose="020F0502020204030204" pitchFamily="34" charset="0"/>
+              </a:defRPr>
+            </a:lvl8pPr>
+            <a:lvl9pPr marL="3886200" indent="-228600" eaLnBrk="0" fontAlgn="base" hangingPunct="0">
+              <a:spcBef>
+                <a:spcPct val="0"/>
+              </a:spcBef>
+              <a:spcAft>
+                <a:spcPct val="0"/>
+              </a:spcAft>
+              <a:defRPr>
+                <a:solidFill>
+                  <a:schemeClr val="tx1"/>
+                </a:solidFill>
+                <a:latin typeface="Calibri" panose="020F0502020204030204" pitchFamily="34" charset="0"/>
+              </a:defRPr>
+            </a:lvl9pPr>
+          </a:lstStyle>
+          <a:p>
+            <a:pPr algn="ctr" eaLnBrk="1" hangingPunct="1"/>
+            <a:r>
+              <a:rPr lang="en-US" altLang="en-US" sz="1200" dirty="0">
+                <a:latin typeface="Arial" panose="020B0604020202020204" pitchFamily="34" charset="0"/>
+                <a:ea typeface="Amazon Ember" panose="020B0603020204020204" pitchFamily="34" charset="0"/>
+                <a:cs typeface="Arial" panose="020B0604020202020204" pitchFamily="34" charset="0"/>
+              </a:rPr>
+              <a:t>AWS </a:t>
+            </a:r>
+            <a:r>
+              <a:rPr lang="en-US" altLang="en-US" sz="1200" dirty="0" err="1">
+                <a:latin typeface="Arial" panose="020B0604020202020204" pitchFamily="34" charset="0"/>
+                <a:ea typeface="Amazon Ember" panose="020B0603020204020204" pitchFamily="34" charset="0"/>
+                <a:cs typeface="Arial" panose="020B0604020202020204" pitchFamily="34" charset="0"/>
+              </a:rPr>
+              <a:t>PrivateLink</a:t>
+            </a:r>
+            <a:endParaRPr lang="en-US" altLang="en-US" sz="1200" dirty="0">
+              <a:latin typeface="Arial" panose="020B0604020202020204" pitchFamily="34" charset="0"/>
+              <a:ea typeface="Amazon Ember" panose="020B0603020204020204" pitchFamily="34" charset="0"/>
+              <a:cs typeface="Arial" panose="020B0604020202020204" pitchFamily="34" charset="0"/>
+            </a:endParaRPr>
+          </a:p>
+        </p:txBody>
+      </p:sp>
+      <p:pic>
+        <p:nvPicPr>
+          <p:cNvPr id="103" name="Graphic 7">
+            <a:extLst>
+              <a:ext uri="{FF2B5EF4-FFF2-40B4-BE49-F238E27FC236}">
+                <a16:creationId xmlns:a16="http://schemas.microsoft.com/office/drawing/2014/main" id="{CDECA41D-15A2-0D4F-B093-291602EE611C}"/>
+              </a:ext>
+            </a:extLst>
+          </p:cNvPr>
+          <p:cNvPicPr>
+            <a:picLocks noChangeAspect="1" noChangeArrowheads="1"/>
+          </p:cNvPicPr>
+          <p:nvPr/>
+        </p:nvPicPr>
+        <p:blipFill>
+          <a:blip r:embed="rId43">
+            <a:extLst>
+              <a:ext uri="{28A0092B-C50C-407E-A947-70E740481C1C}">
+                <a14:useLocalDpi xmlns:a14="http://schemas.microsoft.com/office/drawing/2010/main" val="0"/>
+              </a:ext>
+            </a:extLst>
+          </a:blip>
+          <a:srcRect/>
+          <a:stretch>
+            <a:fillRect/>
+          </a:stretch>
+        </p:blipFill>
+        <p:spPr bwMode="auto">
+          <a:xfrm>
+            <a:off x="4248368" y="4475484"/>
+            <a:ext cx="762000" cy="762000"/>
+          </a:xfrm>
+          <a:prstGeom prst="rect">
+            <a:avLst/>
+          </a:prstGeom>
+          <a:noFill/>
+          <a:ln>
+            <a:noFill/>
+          </a:ln>
+          <a:extLst>
+            <a:ext uri="{909E8E84-426E-40DD-AFC4-6F175D3DCCD1}">
+              <a14:hiddenFill xmlns:a14="http://schemas.microsoft.com/office/drawing/2010/main">
+                <a:solidFill>
+                  <a:srgbClr val="FFFFFF"/>
+                </a:solidFill>
+              </a14:hiddenFill>
+            </a:ext>
+            <a:ext uri="{91240B29-F687-4F45-9708-019B960494DF}">
+              <a14:hiddenLine xmlns:a14="http://schemas.microsoft.com/office/drawing/2010/main" w="9525">
+                <a:solidFill>
+                  <a:srgbClr val="000000"/>
+                </a:solidFill>
+                <a:miter lim="800000"/>
+                <a:headEnd/>
+                <a:tailEnd/>
+              </a14:hiddenLine>
+            </a:ext>
+          </a:extLst>
+        </p:spPr>
+      </p:pic>
+      <p:sp>
+        <p:nvSpPr>
+          <p:cNvPr id="104" name="TextBox 9">
+            <a:extLst>
+              <a:ext uri="{FF2B5EF4-FFF2-40B4-BE49-F238E27FC236}">
+                <a16:creationId xmlns:a16="http://schemas.microsoft.com/office/drawing/2014/main" id="{2ECF95BD-4A5C-F54C-9BFC-1DD9807AA62D}"/>
+              </a:ext>
+            </a:extLst>
+          </p:cNvPr>
+          <p:cNvSpPr txBox="1">
+            <a:spLocks noChangeArrowheads="1"/>
+          </p:cNvSpPr>
+          <p:nvPr/>
+        </p:nvSpPr>
+        <p:spPr bwMode="auto">
+          <a:xfrm>
+            <a:off x="3507799" y="5319026"/>
+            <a:ext cx="2243137" cy="461665"/>
+          </a:xfrm>
+          <a:prstGeom prst="rect">
+            <a:avLst/>
+          </a:prstGeom>
+          <a:noFill/>
+          <a:ln>
+            <a:noFill/>
+          </a:ln>
+          <a:extLst>
+            <a:ext uri="{909E8E84-426E-40DD-AFC4-6F175D3DCCD1}">
+              <a14:hiddenFill xmlns:a14="http://schemas.microsoft.com/office/drawing/2010/main">
+                <a:solidFill>
+                  <a:srgbClr val="FFFFFF"/>
+                </a:solidFill>
+              </a14:hiddenFill>
+            </a:ext>
+            <a:ext uri="{91240B29-F687-4F45-9708-019B960494DF}">
+              <a14:hiddenLine xmlns:a14="http://schemas.microsoft.com/office/drawing/2010/main" w="9525">
+                <a:solidFill>
+                  <a:srgbClr val="000000"/>
+                </a:solidFill>
+                <a:miter lim="800000"/>
+                <a:headEnd/>
+                <a:tailEnd/>
+              </a14:hiddenLine>
+            </a:ext>
+          </a:extLst>
+        </p:spPr>
+        <p:txBody>
+          <a:bodyPr>
+            <a:spAutoFit/>
+          </a:bodyPr>
+          <a:lstStyle>
+            <a:lvl1pPr>
+              <a:defRPr>
+                <a:solidFill>
+                  <a:schemeClr val="tx1"/>
+                </a:solidFill>
+                <a:latin typeface="Calibri" panose="020F0502020204030204" pitchFamily="34" charset="0"/>
+              </a:defRPr>
+            </a:lvl1pPr>
+            <a:lvl2pPr marL="742950" indent="-285750">
+              <a:defRPr>
+                <a:solidFill>
+                  <a:schemeClr val="tx1"/>
+                </a:solidFill>
+                <a:latin typeface="Calibri" panose="020F0502020204030204" pitchFamily="34" charset="0"/>
+              </a:defRPr>
+            </a:lvl2pPr>
+            <a:lvl3pPr marL="1143000" indent="-228600">
+              <a:defRPr>
+                <a:solidFill>
+                  <a:schemeClr val="tx1"/>
+                </a:solidFill>
+                <a:latin typeface="Calibri" panose="020F0502020204030204" pitchFamily="34" charset="0"/>
+              </a:defRPr>
+            </a:lvl3pPr>
+            <a:lvl4pPr marL="1600200" indent="-228600">
+              <a:defRPr>
+                <a:solidFill>
+                  <a:schemeClr val="tx1"/>
+                </a:solidFill>
+                <a:latin typeface="Calibri" panose="020F0502020204030204" pitchFamily="34" charset="0"/>
+              </a:defRPr>
+            </a:lvl4pPr>
+            <a:lvl5pPr marL="2057400" indent="-228600">
+              <a:defRPr>
+                <a:solidFill>
+                  <a:schemeClr val="tx1"/>
+                </a:solidFill>
+                <a:latin typeface="Calibri" panose="020F0502020204030204" pitchFamily="34" charset="0"/>
+              </a:defRPr>
+            </a:lvl5pPr>
+            <a:lvl6pPr marL="2514600" indent="-228600" eaLnBrk="0" fontAlgn="base" hangingPunct="0">
+              <a:spcBef>
+                <a:spcPct val="0"/>
+              </a:spcBef>
+              <a:spcAft>
+                <a:spcPct val="0"/>
+              </a:spcAft>
+              <a:defRPr>
+                <a:solidFill>
+                  <a:schemeClr val="tx1"/>
+                </a:solidFill>
+                <a:latin typeface="Calibri" panose="020F0502020204030204" pitchFamily="34" charset="0"/>
+              </a:defRPr>
+            </a:lvl6pPr>
+            <a:lvl7pPr marL="2971800" indent="-228600" eaLnBrk="0" fontAlgn="base" hangingPunct="0">
+              <a:spcBef>
+                <a:spcPct val="0"/>
+              </a:spcBef>
+              <a:spcAft>
+                <a:spcPct val="0"/>
+              </a:spcAft>
+              <a:defRPr>
+                <a:solidFill>
+                  <a:schemeClr val="tx1"/>
+                </a:solidFill>
+                <a:latin typeface="Calibri" panose="020F0502020204030204" pitchFamily="34" charset="0"/>
+              </a:defRPr>
+            </a:lvl7pPr>
+            <a:lvl8pPr marL="3429000" indent="-228600" eaLnBrk="0" fontAlgn="base" hangingPunct="0">
+              <a:spcBef>
+                <a:spcPct val="0"/>
+              </a:spcBef>
+              <a:spcAft>
+                <a:spcPct val="0"/>
+              </a:spcAft>
+              <a:defRPr>
+                <a:solidFill>
+                  <a:schemeClr val="tx1"/>
+                </a:solidFill>
+                <a:latin typeface="Calibri" panose="020F0502020204030204" pitchFamily="34" charset="0"/>
+              </a:defRPr>
+            </a:lvl8pPr>
+            <a:lvl9pPr marL="3886200" indent="-228600" eaLnBrk="0" fontAlgn="base" hangingPunct="0">
+              <a:spcBef>
+                <a:spcPct val="0"/>
+              </a:spcBef>
+              <a:spcAft>
+                <a:spcPct val="0"/>
+              </a:spcAft>
+              <a:defRPr>
+                <a:solidFill>
+                  <a:schemeClr val="tx1"/>
+                </a:solidFill>
+                <a:latin typeface="Calibri" panose="020F0502020204030204" pitchFamily="34" charset="0"/>
+              </a:defRPr>
+            </a:lvl9pPr>
+          </a:lstStyle>
+          <a:p>
+            <a:pPr algn="ctr" eaLnBrk="1" hangingPunct="1"/>
+            <a:r>
+              <a:rPr lang="en-US" altLang="en-US" sz="1200" dirty="0">
+                <a:latin typeface="Arial" panose="020B0604020202020204" pitchFamily="34" charset="0"/>
+                <a:ea typeface="Amazon Ember" panose="020B0603020204020204" pitchFamily="34" charset="0"/>
+                <a:cs typeface="Arial" panose="020B0604020202020204" pitchFamily="34" charset="0"/>
+              </a:rPr>
+              <a:t>AWS Key Management Service</a:t>
             </a:r>
           </a:p>
         </p:txBody>

--- a/docs/images/brillio-architecture-diagram.pptx
+++ b/docs/images/brillio-architecture-diagram.pptx
@@ -3715,7 +3715,7 @@
         </p:blipFill>
         <p:spPr bwMode="auto">
           <a:xfrm>
-            <a:off x="903063" y="4474156"/>
+            <a:off x="927274" y="4483612"/>
             <a:ext cx="762000" cy="762000"/>
           </a:xfrm>
           <a:prstGeom prst="rect">
@@ -3951,7 +3951,7 @@
         </p:blipFill>
         <p:spPr bwMode="auto">
           <a:xfrm>
-            <a:off x="2597175" y="4474156"/>
+            <a:off x="2508332" y="4483612"/>
             <a:ext cx="762000" cy="762000"/>
           </a:xfrm>
           <a:prstGeom prst="rect">
@@ -3998,7 +3998,7 @@
         </p:nvSpPr>
         <p:spPr bwMode="auto">
           <a:xfrm>
-            <a:off x="1877243" y="5319026"/>
+            <a:off x="1775210" y="5319026"/>
             <a:ext cx="2201863" cy="276999"/>
           </a:xfrm>
           <a:prstGeom prst="rect">
@@ -4185,7 +4185,7 @@
         </p:blipFill>
         <p:spPr bwMode="auto">
           <a:xfrm>
-            <a:off x="4248368" y="4475484"/>
+            <a:off x="4188766" y="4483612"/>
             <a:ext cx="762000" cy="762000"/>
           </a:xfrm>
           <a:prstGeom prst="rect">
@@ -4232,7 +4232,7 @@
         </p:nvSpPr>
         <p:spPr bwMode="auto">
           <a:xfrm>
-            <a:off x="3507799" y="5319026"/>
+            <a:off x="3507799" y="5300273"/>
             <a:ext cx="2243137" cy="461665"/>
           </a:xfrm>
           <a:prstGeom prst="rect">

--- a/docs/images/brillio-architecture-diagram.pptx
+++ b/docs/images/brillio-architecture-diagram.pptx
@@ -1365,7 +1365,7 @@
         </p:blipFill>
         <p:spPr>
           <a:xfrm>
-            <a:off x="2597175" y="922268"/>
+            <a:off x="2610774" y="924652"/>
             <a:ext cx="278967" cy="278967"/>
           </a:xfrm>
           <a:prstGeom prst="rect">
